--- a/presentation/Progress Report 7.pptx
+++ b/presentation/Progress Report 7.pptx
@@ -15,29 +15,31 @@
     <p:sldId id="260" r:id="rId10"/>
     <p:sldId id="261" r:id="rId11"/>
     <p:sldId id="262" r:id="rId12"/>
+    <p:sldId id="263" r:id="rId13"/>
+    <p:sldId id="264" r:id="rId14"/>
   </p:sldIdLst>
   <p:sldSz cy="5143500" cx="9144000"/>
   <p:notesSz cx="6858000" cy="9144000"/>
   <p:embeddedFontLst>
     <p:embeddedFont>
       <p:font typeface="Montserrat"/>
-      <p:regular r:id="rId13"/>
-      <p:bold r:id="rId14"/>
-      <p:italic r:id="rId15"/>
-      <p:boldItalic r:id="rId16"/>
+      <p:regular r:id="rId15"/>
+      <p:bold r:id="rId16"/>
+      <p:italic r:id="rId17"/>
+      <p:boldItalic r:id="rId18"/>
     </p:embeddedFont>
     <p:embeddedFont>
       <p:font typeface="Lato"/>
-      <p:regular r:id="rId17"/>
-      <p:bold r:id="rId18"/>
-      <p:italic r:id="rId19"/>
-      <p:boldItalic r:id="rId20"/>
+      <p:regular r:id="rId19"/>
+      <p:bold r:id="rId20"/>
+      <p:italic r:id="rId21"/>
+      <p:boldItalic r:id="rId22"/>
     </p:embeddedFont>
     <p:embeddedFont>
       <p:font typeface="Old Standard TT"/>
-      <p:regular r:id="rId21"/>
-      <p:bold r:id="rId22"/>
-      <p:italic r:id="rId23"/>
+      <p:regular r:id="rId23"/>
+      <p:bold r:id="rId24"/>
+      <p:italic r:id="rId25"/>
     </p:embeddedFont>
   </p:embeddedFontLst>
   <p:defaultTextStyle>
@@ -1113,7 +1115,7 @@
   <p:cSld>
     <p:spTree>
       <p:nvGrpSpPr>
-        <p:cNvPr id="82" name="Shape 82"/>
+        <p:cNvPr id="80" name="Shape 80"/>
         <p:cNvGrpSpPr/>
         <p:nvPr/>
       </p:nvGrpSpPr>
@@ -1127,7 +1129,7 @@
       </p:grpSpPr>
       <p:sp>
         <p:nvSpPr>
-          <p:cNvPr id="83" name="Google Shape;83;g52a3a5e8f0_0_150:notes"/>
+          <p:cNvPr id="81" name="Google Shape;81;g5803af0ef3_3_0:notes"/>
           <p:cNvSpPr/>
           <p:nvPr>
             <p:ph idx="2" type="sldImg"/>
@@ -1162,7 +1164,7 @@
       </p:sp>
       <p:sp>
         <p:nvSpPr>
-          <p:cNvPr id="84" name="Google Shape;84;g52a3a5e8f0_0_150:notes"/>
+          <p:cNvPr id="82" name="Google Shape;82;g5803af0ef3_3_0:notes"/>
           <p:cNvSpPr txBox="1"/>
           <p:nvPr>
             <p:ph idx="1" type="body"/>
@@ -1212,7 +1214,7 @@
   <p:cSld>
     <p:spTree>
       <p:nvGrpSpPr>
-        <p:cNvPr id="88" name="Shape 88"/>
+        <p:cNvPr id="86" name="Shape 86"/>
         <p:cNvGrpSpPr/>
         <p:nvPr/>
       </p:nvGrpSpPr>
@@ -1226,7 +1228,7 @@
       </p:grpSpPr>
       <p:sp>
         <p:nvSpPr>
-          <p:cNvPr id="89" name="Google Shape;89;g52a3a5e8f0_0_155:notes"/>
+          <p:cNvPr id="87" name="Google Shape;87;g5111d24153_2_0:notes"/>
           <p:cNvSpPr/>
           <p:nvPr>
             <p:ph idx="2" type="sldImg"/>
@@ -1261,7 +1263,7 @@
       </p:sp>
       <p:sp>
         <p:nvSpPr>
-          <p:cNvPr id="90" name="Google Shape;90;g52a3a5e8f0_0_155:notes"/>
+          <p:cNvPr id="88" name="Google Shape;88;g5111d24153_2_0:notes"/>
           <p:cNvSpPr txBox="1"/>
           <p:nvPr>
             <p:ph idx="1" type="body"/>
@@ -1311,7 +1313,7 @@
   <p:cSld>
     <p:spTree>
       <p:nvGrpSpPr>
-        <p:cNvPr id="94" name="Shape 94"/>
+        <p:cNvPr id="92" name="Shape 92"/>
         <p:cNvGrpSpPr/>
         <p:nvPr/>
       </p:nvGrpSpPr>
@@ -1325,7 +1327,7 @@
       </p:grpSpPr>
       <p:sp>
         <p:nvSpPr>
-          <p:cNvPr id="95" name="Google Shape;95;g52a3a5e8f0_0_160:notes"/>
+          <p:cNvPr id="93" name="Google Shape;93;g52a3a5e8f0_0_150:notes"/>
           <p:cNvSpPr/>
           <p:nvPr>
             <p:ph idx="2" type="sldImg"/>
@@ -1360,7 +1362,205 @@
       </p:sp>
       <p:sp>
         <p:nvSpPr>
-          <p:cNvPr id="96" name="Google Shape;96;g52a3a5e8f0_0_160:notes"/>
+          <p:cNvPr id="94" name="Google Shape;94;g52a3a5e8f0_0_150:notes"/>
+          <p:cNvSpPr txBox="1"/>
+          <p:nvPr>
+            <p:ph idx="1" type="body"/>
+          </p:nvPr>
+        </p:nvSpPr>
+        <p:spPr>
+          <a:xfrm>
+            <a:off x="685800" y="4343400"/>
+            <a:ext cx="5486400" cy="4114800"/>
+          </a:xfrm>
+          <a:prstGeom prst="rect">
+            <a:avLst/>
+          </a:prstGeom>
+        </p:spPr>
+        <p:txBody>
+          <a:bodyPr anchorCtr="0" anchor="t" bIns="91425" lIns="91425" spcFirstLastPara="1" rIns="91425" wrap="square" tIns="91425">
+            <a:noAutofit/>
+          </a:bodyPr>
+          <a:lstStyle/>
+          <a:p>
+            <a:pPr indent="0" lvl="0" marL="0" rtl="0" algn="l">
+              <a:spcBef>
+                <a:spcPts val="0"/>
+              </a:spcBef>
+              <a:spcAft>
+                <a:spcPts val="0"/>
+              </a:spcAft>
+              <a:buNone/>
+            </a:pPr>
+            <a:r>
+              <a:t/>
+            </a:r>
+            <a:endParaRPr/>
+          </a:p>
+        </p:txBody>
+      </p:sp>
+    </p:spTree>
+  </p:cSld>
+  <p:clrMapOvr>
+    <a:masterClrMapping/>
+  </p:clrMapOvr>
+</p:notes>
+</file>
+
+<file path=ppt/notesSlides/notesSlide8.xml><?xml version="1.0" encoding="utf-8"?>
+<p:notes xmlns:a="http://schemas.openxmlformats.org/drawingml/2006/main" xmlns:r="http://schemas.openxmlformats.org/officeDocument/2006/relationships" xmlns:mc="http://schemas.openxmlformats.org/markup-compatibility/2006" xmlns:mv="urn:schemas-microsoft-com:mac:vml" xmlns:p="http://schemas.openxmlformats.org/presentationml/2006/main" xmlns:c="http://schemas.openxmlformats.org/drawingml/2006/chart" xmlns:dgm="http://schemas.openxmlformats.org/drawingml/2006/diagram" xmlns:o="urn:schemas-microsoft-com:office:office" xmlns:v="urn:schemas-microsoft-com:vml" xmlns:pvml="urn:schemas-microsoft-com:office:powerpoint" xmlns:com="http://schemas.openxmlformats.org/drawingml/2006/compatibility" xmlns:p14="http://schemas.microsoft.com/office/powerpoint/2010/main" xmlns:p15="http://schemas.microsoft.com/office/powerpoint/2012/main" showMasterPhAnim="0" showMasterSp="0">
+  <p:cSld>
+    <p:spTree>
+      <p:nvGrpSpPr>
+        <p:cNvPr id="98" name="Shape 98"/>
+        <p:cNvGrpSpPr/>
+        <p:nvPr/>
+      </p:nvGrpSpPr>
+      <p:grpSpPr>
+        <a:xfrm>
+          <a:off x="0" y="0"/>
+          <a:ext cx="0" cy="0"/>
+          <a:chOff x="0" y="0"/>
+          <a:chExt cx="0" cy="0"/>
+        </a:xfrm>
+      </p:grpSpPr>
+      <p:sp>
+        <p:nvSpPr>
+          <p:cNvPr id="99" name="Google Shape;99;g52a3a5e8f0_0_155:notes"/>
+          <p:cNvSpPr/>
+          <p:nvPr>
+            <p:ph idx="2" type="sldImg"/>
+          </p:nvPr>
+        </p:nvSpPr>
+        <p:spPr>
+          <a:xfrm>
+            <a:off x="381300" y="685800"/>
+            <a:ext cx="6096000" cy="3429000"/>
+          </a:xfrm>
+          <a:custGeom>
+            <a:rect b="b" l="l" r="r" t="t"/>
+            <a:pathLst>
+              <a:path extrusionOk="0" h="120000" w="120000">
+                <a:moveTo>
+                  <a:pt x="0" y="0"/>
+                </a:moveTo>
+                <a:lnTo>
+                  <a:pt x="120000" y="0"/>
+                </a:lnTo>
+                <a:lnTo>
+                  <a:pt x="120000" y="120000"/>
+                </a:lnTo>
+                <a:lnTo>
+                  <a:pt x="0" y="120000"/>
+                </a:lnTo>
+                <a:close/>
+              </a:path>
+            </a:pathLst>
+          </a:custGeom>
+        </p:spPr>
+      </p:sp>
+      <p:sp>
+        <p:nvSpPr>
+          <p:cNvPr id="100" name="Google Shape;100;g52a3a5e8f0_0_155:notes"/>
+          <p:cNvSpPr txBox="1"/>
+          <p:nvPr>
+            <p:ph idx="1" type="body"/>
+          </p:nvPr>
+        </p:nvSpPr>
+        <p:spPr>
+          <a:xfrm>
+            <a:off x="685800" y="4343400"/>
+            <a:ext cx="5486400" cy="4114800"/>
+          </a:xfrm>
+          <a:prstGeom prst="rect">
+            <a:avLst/>
+          </a:prstGeom>
+        </p:spPr>
+        <p:txBody>
+          <a:bodyPr anchorCtr="0" anchor="t" bIns="91425" lIns="91425" spcFirstLastPara="1" rIns="91425" wrap="square" tIns="91425">
+            <a:noAutofit/>
+          </a:bodyPr>
+          <a:lstStyle/>
+          <a:p>
+            <a:pPr indent="0" lvl="0" marL="0" rtl="0" algn="l">
+              <a:spcBef>
+                <a:spcPts val="0"/>
+              </a:spcBef>
+              <a:spcAft>
+                <a:spcPts val="0"/>
+              </a:spcAft>
+              <a:buNone/>
+            </a:pPr>
+            <a:r>
+              <a:t/>
+            </a:r>
+            <a:endParaRPr/>
+          </a:p>
+        </p:txBody>
+      </p:sp>
+    </p:spTree>
+  </p:cSld>
+  <p:clrMapOvr>
+    <a:masterClrMapping/>
+  </p:clrMapOvr>
+</p:notes>
+</file>
+
+<file path=ppt/notesSlides/notesSlide9.xml><?xml version="1.0" encoding="utf-8"?>
+<p:notes xmlns:a="http://schemas.openxmlformats.org/drawingml/2006/main" xmlns:r="http://schemas.openxmlformats.org/officeDocument/2006/relationships" xmlns:mc="http://schemas.openxmlformats.org/markup-compatibility/2006" xmlns:mv="urn:schemas-microsoft-com:mac:vml" xmlns:p="http://schemas.openxmlformats.org/presentationml/2006/main" xmlns:c="http://schemas.openxmlformats.org/drawingml/2006/chart" xmlns:dgm="http://schemas.openxmlformats.org/drawingml/2006/diagram" xmlns:o="urn:schemas-microsoft-com:office:office" xmlns:v="urn:schemas-microsoft-com:vml" xmlns:pvml="urn:schemas-microsoft-com:office:powerpoint" xmlns:com="http://schemas.openxmlformats.org/drawingml/2006/compatibility" xmlns:p14="http://schemas.microsoft.com/office/powerpoint/2010/main" xmlns:p15="http://schemas.microsoft.com/office/powerpoint/2012/main" showMasterPhAnim="0" showMasterSp="0">
+  <p:cSld>
+    <p:spTree>
+      <p:nvGrpSpPr>
+        <p:cNvPr id="104" name="Shape 104"/>
+        <p:cNvGrpSpPr/>
+        <p:nvPr/>
+      </p:nvGrpSpPr>
+      <p:grpSpPr>
+        <a:xfrm>
+          <a:off x="0" y="0"/>
+          <a:ext cx="0" cy="0"/>
+          <a:chOff x="0" y="0"/>
+          <a:chExt cx="0" cy="0"/>
+        </a:xfrm>
+      </p:grpSpPr>
+      <p:sp>
+        <p:nvSpPr>
+          <p:cNvPr id="105" name="Google Shape;105;g52a3a5e8f0_0_160:notes"/>
+          <p:cNvSpPr/>
+          <p:nvPr>
+            <p:ph idx="2" type="sldImg"/>
+          </p:nvPr>
+        </p:nvSpPr>
+        <p:spPr>
+          <a:xfrm>
+            <a:off x="381300" y="685800"/>
+            <a:ext cx="6096000" cy="3429000"/>
+          </a:xfrm>
+          <a:custGeom>
+            <a:rect b="b" l="l" r="r" t="t"/>
+            <a:pathLst>
+              <a:path extrusionOk="0" h="120000" w="120000">
+                <a:moveTo>
+                  <a:pt x="0" y="0"/>
+                </a:moveTo>
+                <a:lnTo>
+                  <a:pt x="120000" y="0"/>
+                </a:lnTo>
+                <a:lnTo>
+                  <a:pt x="120000" y="120000"/>
+                </a:lnTo>
+                <a:lnTo>
+                  <a:pt x="0" y="120000"/>
+                </a:lnTo>
+                <a:close/>
+              </a:path>
+            </a:pathLst>
+          </a:custGeom>
+        </p:spPr>
+      </p:sp>
+      <p:sp>
+        <p:nvSpPr>
+          <p:cNvPr id="106" name="Google Shape;106;g52a3a5e8f0_0_160:notes"/>
           <p:cNvSpPr txBox="1"/>
           <p:nvPr>
             <p:ph idx="1" type="body"/>
@@ -6898,7 +7098,7 @@
             </a:pPr>
             <a:r>
               <a:rPr lang="en"/>
-              <a:t>Progress Report 7</a:t>
+              <a:t>Progress Report 8</a:t>
             </a:r>
             <a:endParaRPr/>
           </a:p>
@@ -7003,7 +7203,7 @@
                 <a:cs typeface="Montserrat"/>
                 <a:sym typeface="Montserrat"/>
               </a:rPr>
-              <a:t>Sprint 7 - (</a:t>
+              <a:t>Sprint 8</a:t>
             </a:r>
             <a:r>
               <a:rPr lang="en">
@@ -7015,7 +7215,31 @@
                 <a:cs typeface="Montserrat"/>
                 <a:sym typeface="Montserrat"/>
               </a:rPr>
-              <a:t>3/26 - 4/2) </a:t>
+              <a:t> </a:t>
+            </a:r>
+            <a:r>
+              <a:rPr lang="en">
+                <a:solidFill>
+                  <a:schemeClr val="lt1"/>
+                </a:solidFill>
+                <a:latin typeface="Montserrat"/>
+                <a:ea typeface="Montserrat"/>
+                <a:cs typeface="Montserrat"/>
+                <a:sym typeface="Montserrat"/>
+              </a:rPr>
+              <a:t>- (4</a:t>
+            </a:r>
+            <a:r>
+              <a:rPr lang="en">
+                <a:solidFill>
+                  <a:schemeClr val="lt1"/>
+                </a:solidFill>
+                <a:latin typeface="Montserrat"/>
+                <a:ea typeface="Montserrat"/>
+                <a:cs typeface="Montserrat"/>
+                <a:sym typeface="Montserrat"/>
+              </a:rPr>
+              <a:t>/2 - 4/16) </a:t>
             </a:r>
             <a:endParaRPr>
               <a:solidFill>
@@ -7133,8 +7357,8 @@
         </p:blipFill>
         <p:spPr>
           <a:xfrm>
-            <a:off x="1024463" y="1192925"/>
-            <a:ext cx="7095073" cy="3780475"/>
+            <a:off x="1188400" y="1058225"/>
+            <a:ext cx="6138936" cy="3780475"/>
           </a:xfrm>
           <a:prstGeom prst="rect">
             <a:avLst/>
@@ -7204,7 +7428,7 @@
             </a:pPr>
             <a:r>
               <a:rPr lang="en"/>
-              <a:t>Sprint 7 Responsibilities</a:t>
+              <a:t>Sprint 8 Responsibilities</a:t>
             </a:r>
             <a:endParaRPr/>
           </a:p>
@@ -7343,7 +7567,7 @@
                 <a:cs typeface="Lato"/>
                 <a:sym typeface="Lato"/>
               </a:rPr>
-              <a:t>Joshua Brown -  Fix calendar UI to be offline.  Clean up Hot Dial UI.  Creating models for modules.</a:t>
+              <a:t>Joshua Brown -  Updated UI for Calendar and Hot Dial.  Calendar time input enabled.  Hot Dial now allowed to properly add/remove numbers and store data locally.  Documentation.</a:t>
             </a:r>
             <a:endParaRPr>
               <a:latin typeface="Lato"/>
@@ -7389,7 +7613,7 @@
                 <a:cs typeface="Lato"/>
                 <a:sym typeface="Lato"/>
               </a:rPr>
-              <a:t>Brian Goughnour -  Implement message passing between goal tracker and calendar.</a:t>
+              <a:t>Brian Goughnour -  Testing and documentation.</a:t>
             </a:r>
             <a:endParaRPr>
               <a:latin typeface="Lato"/>
@@ -7534,78 +7758,194 @@
           </a:bodyPr>
           <a:lstStyle/>
           <a:p>
-            <a:pPr indent="0" lvl="0" marL="0" rtl="0" algn="l">
-              <a:spcBef>
-                <a:spcPts val="0"/>
-              </a:spcBef>
-              <a:spcAft>
-                <a:spcPts val="1600"/>
-              </a:spcAft>
-              <a:buNone/>
+            <a:pPr indent="-342900" lvl="0" marL="457200" rtl="0" algn="l">
+              <a:spcBef>
+                <a:spcPts val="0"/>
+              </a:spcBef>
+              <a:spcAft>
+                <a:spcPts val="0"/>
+              </a:spcAft>
+              <a:buSzPts val="1800"/>
+              <a:buChar char="●"/>
             </a:pPr>
             <a:r>
-              <a:t/>
+              <a:rPr lang="en"/>
+              <a:t>Goals</a:t>
+            </a:r>
+            <a:endParaRPr/>
+          </a:p>
+          <a:p>
+            <a:pPr indent="-317500" lvl="1" marL="914400" rtl="0" algn="l">
+              <a:spcBef>
+                <a:spcPts val="0"/>
+              </a:spcBef>
+              <a:spcAft>
+                <a:spcPts val="0"/>
+              </a:spcAft>
+              <a:buSzPts val="1400"/>
+              <a:buChar char="○"/>
+            </a:pPr>
+            <a:r>
+              <a:rPr lang="en"/>
+              <a:t>The user can navigate and traverse the map freely</a:t>
+            </a:r>
+            <a:endParaRPr/>
+          </a:p>
+          <a:p>
+            <a:pPr indent="-317500" lvl="1" marL="914400" rtl="0" algn="l">
+              <a:spcBef>
+                <a:spcPts val="0"/>
+              </a:spcBef>
+              <a:spcAft>
+                <a:spcPts val="0"/>
+              </a:spcAft>
+              <a:buSzPts val="1400"/>
+              <a:buChar char="○"/>
+            </a:pPr>
+            <a:r>
+              <a:rPr lang="en"/>
+              <a:t>The user can enter in an address and jump to that location</a:t>
+            </a:r>
+            <a:endParaRPr/>
+          </a:p>
+          <a:p>
+            <a:pPr indent="-317500" lvl="1" marL="914400" rtl="0" algn="l">
+              <a:spcBef>
+                <a:spcPts val="0"/>
+              </a:spcBef>
+              <a:spcAft>
+                <a:spcPts val="0"/>
+              </a:spcAft>
+              <a:buSzPts val="1400"/>
+              <a:buChar char="○"/>
+            </a:pPr>
+            <a:r>
+              <a:rPr lang="en"/>
+              <a:t>The user can select an address and add it to their list of addresses and locations (into the database)</a:t>
+            </a:r>
+            <a:endParaRPr/>
+          </a:p>
+          <a:p>
+            <a:pPr indent="-317500" lvl="1" marL="914400" rtl="0" algn="l">
+              <a:spcBef>
+                <a:spcPts val="0"/>
+              </a:spcBef>
+              <a:spcAft>
+                <a:spcPts val="0"/>
+              </a:spcAft>
+              <a:buSzPts val="1400"/>
+              <a:buChar char="○"/>
+            </a:pPr>
+            <a:r>
+              <a:rPr lang="en"/>
+              <a:t>The user can view their marked locations </a:t>
+            </a:r>
+            <a:endParaRPr/>
+          </a:p>
+          <a:p>
+            <a:pPr indent="-342900" lvl="0" marL="457200" rtl="0" algn="l">
+              <a:spcBef>
+                <a:spcPts val="0"/>
+              </a:spcBef>
+              <a:spcAft>
+                <a:spcPts val="0"/>
+              </a:spcAft>
+              <a:buSzPts val="1800"/>
+              <a:buChar char="●"/>
+            </a:pPr>
+            <a:r>
+              <a:rPr lang="en"/>
+              <a:t>Technologies</a:t>
+            </a:r>
+            <a:endParaRPr/>
+          </a:p>
+          <a:p>
+            <a:pPr indent="-317500" lvl="1" marL="914400" rtl="0" algn="l">
+              <a:spcBef>
+                <a:spcPts val="0"/>
+              </a:spcBef>
+              <a:spcAft>
+                <a:spcPts val="0"/>
+              </a:spcAft>
+              <a:buSzPts val="1400"/>
+              <a:buChar char="○"/>
+            </a:pPr>
+            <a:r>
+              <a:rPr lang="en"/>
+              <a:t>HTML</a:t>
+            </a:r>
+            <a:endParaRPr/>
+          </a:p>
+          <a:p>
+            <a:pPr indent="-317500" lvl="1" marL="914400" rtl="0" algn="l">
+              <a:spcBef>
+                <a:spcPts val="0"/>
+              </a:spcBef>
+              <a:spcAft>
+                <a:spcPts val="0"/>
+              </a:spcAft>
+              <a:buSzPts val="1400"/>
+              <a:buChar char="○"/>
+            </a:pPr>
+            <a:r>
+              <a:rPr lang="en"/>
+              <a:t>Javascript</a:t>
+            </a:r>
+            <a:endParaRPr/>
+          </a:p>
+          <a:p>
+            <a:pPr indent="-317500" lvl="1" marL="914400" rtl="0" algn="l">
+              <a:spcBef>
+                <a:spcPts val="0"/>
+              </a:spcBef>
+              <a:spcAft>
+                <a:spcPts val="0"/>
+              </a:spcAft>
+              <a:buSzPts val="1400"/>
+              <a:buChar char="○"/>
+            </a:pPr>
+            <a:r>
+              <a:rPr lang="en"/>
+              <a:t>Leaflet Methods/Imports</a:t>
+            </a:r>
+            <a:endParaRPr/>
+          </a:p>
+          <a:p>
+            <a:pPr indent="-342900" lvl="0" marL="457200" rtl="0" algn="l">
+              <a:spcBef>
+                <a:spcPts val="0"/>
+              </a:spcBef>
+              <a:spcAft>
+                <a:spcPts val="0"/>
+              </a:spcAft>
+              <a:buSzPts val="1800"/>
+              <a:buChar char="●"/>
+            </a:pPr>
+            <a:r>
+              <a:rPr lang="en"/>
+              <a:t>Iceboxed</a:t>
+            </a:r>
+            <a:endParaRPr/>
+          </a:p>
+          <a:p>
+            <a:pPr indent="-317500" lvl="1" marL="914400" rtl="0" algn="l">
+              <a:spcBef>
+                <a:spcPts val="0"/>
+              </a:spcBef>
+              <a:spcAft>
+                <a:spcPts val="0"/>
+              </a:spcAft>
+              <a:buSzPts val="1400"/>
+              <a:buChar char="○"/>
+            </a:pPr>
+            <a:r>
+              <a:rPr lang="en"/>
+              <a:t>Search Bar plugins, Accurate Geocoding, Map Load Bugs, cleaned up event passing</a:t>
             </a:r>
             <a:endParaRPr/>
           </a:p>
         </p:txBody>
       </p:sp>
-      <p:pic>
-        <p:nvPicPr>
-          <p:cNvPr id="80" name="Google Shape;80;p16"/>
-          <p:cNvPicPr preferRelativeResize="0"/>
-          <p:nvPr/>
-        </p:nvPicPr>
-        <p:blipFill>
-          <a:blip r:embed="rId3">
-            <a:alphaModFix/>
-          </a:blip>
-          <a:stretch>
-            <a:fillRect/>
-          </a:stretch>
-        </p:blipFill>
-        <p:spPr>
-          <a:xfrm>
-            <a:off x="752525" y="1058225"/>
-            <a:ext cx="2685525" cy="3884525"/>
-          </a:xfrm>
-          <a:prstGeom prst="rect">
-            <a:avLst/>
-          </a:prstGeom>
-          <a:noFill/>
-          <a:ln>
-            <a:noFill/>
-          </a:ln>
-        </p:spPr>
-      </p:pic>
-      <p:pic>
-        <p:nvPicPr>
-          <p:cNvPr id="81" name="Google Shape;81;p16"/>
-          <p:cNvPicPr preferRelativeResize="0"/>
-          <p:nvPr/>
-        </p:nvPicPr>
-        <p:blipFill>
-          <a:blip r:embed="rId4">
-            <a:alphaModFix/>
-          </a:blip>
-          <a:stretch>
-            <a:fillRect/>
-          </a:stretch>
-        </p:blipFill>
-        <p:spPr>
-          <a:xfrm>
-            <a:off x="4698300" y="1000275"/>
-            <a:ext cx="3176225" cy="3971850"/>
-          </a:xfrm>
-          <a:prstGeom prst="rect">
-            <a:avLst/>
-          </a:prstGeom>
-          <a:noFill/>
-          <a:ln>
-            <a:noFill/>
-          </a:ln>
-        </p:spPr>
-      </p:pic>
     </p:spTree>
   </p:cSld>
   <p:clrMapOvr>
@@ -7619,7 +7959,7 @@
   <p:cSld>
     <p:spTree>
       <p:nvGrpSpPr>
-        <p:cNvPr id="85" name="Shape 85"/>
+        <p:cNvPr id="83" name="Shape 83"/>
         <p:cNvGrpSpPr/>
         <p:nvPr/>
       </p:nvGrpSpPr>
@@ -7633,7 +7973,7 @@
       </p:grpSpPr>
       <p:sp>
         <p:nvSpPr>
-          <p:cNvPr id="86" name="Google Shape;86;p17"/>
+          <p:cNvPr id="84" name="Google Shape;84;p17"/>
           <p:cNvSpPr txBox="1"/>
           <p:nvPr>
             <p:ph type="title"/>
@@ -7665,7 +8005,7 @@
             </a:pPr>
             <a:r>
               <a:rPr lang="en"/>
-              <a:t>Future Sprint</a:t>
+              <a:t>Goal Tracker</a:t>
             </a:r>
             <a:endParaRPr/>
           </a:p>
@@ -7673,7 +8013,588 @@
       </p:sp>
       <p:sp>
         <p:nvSpPr>
-          <p:cNvPr id="87" name="Google Shape;87;p17"/>
+          <p:cNvPr id="85" name="Google Shape;85;p17"/>
+          <p:cNvSpPr txBox="1"/>
+          <p:nvPr>
+            <p:ph idx="1" type="body"/>
+          </p:nvPr>
+        </p:nvSpPr>
+        <p:spPr>
+          <a:xfrm>
+            <a:off x="311700" y="1145100"/>
+            <a:ext cx="8520600" cy="3397200"/>
+          </a:xfrm>
+          <a:prstGeom prst="rect">
+            <a:avLst/>
+          </a:prstGeom>
+        </p:spPr>
+        <p:txBody>
+          <a:bodyPr anchorCtr="0" anchor="t" bIns="91425" lIns="91425" spcFirstLastPara="1" rIns="91425" wrap="square" tIns="91425">
+            <a:noAutofit/>
+          </a:bodyPr>
+          <a:lstStyle/>
+          <a:p>
+            <a:pPr indent="-342900" lvl="0" marL="457200" rtl="0" algn="l">
+              <a:spcBef>
+                <a:spcPts val="0"/>
+              </a:spcBef>
+              <a:spcAft>
+                <a:spcPts val="0"/>
+              </a:spcAft>
+              <a:buSzPts val="1800"/>
+              <a:buChar char="●"/>
+            </a:pPr>
+            <a:r>
+              <a:rPr lang="en"/>
+              <a:t>Goals</a:t>
+            </a:r>
+            <a:endParaRPr/>
+          </a:p>
+          <a:p>
+            <a:pPr indent="-317500" lvl="1" marL="914400" rtl="0" algn="l">
+              <a:spcBef>
+                <a:spcPts val="0"/>
+              </a:spcBef>
+              <a:spcAft>
+                <a:spcPts val="0"/>
+              </a:spcAft>
+              <a:buSzPts val="1400"/>
+              <a:buChar char="○"/>
+            </a:pPr>
+            <a:r>
+              <a:rPr lang="en"/>
+              <a:t>The user can create a new goal.</a:t>
+            </a:r>
+            <a:endParaRPr/>
+          </a:p>
+          <a:p>
+            <a:pPr indent="-317500" lvl="1" marL="914400" rtl="0" algn="l">
+              <a:spcBef>
+                <a:spcPts val="0"/>
+              </a:spcBef>
+              <a:spcAft>
+                <a:spcPts val="0"/>
+              </a:spcAft>
+              <a:buSzPts val="1400"/>
+              <a:buChar char="○"/>
+            </a:pPr>
+            <a:r>
+              <a:rPr lang="en"/>
+              <a:t>The </a:t>
+            </a:r>
+            <a:r>
+              <a:rPr lang="en"/>
+              <a:t>newly</a:t>
+            </a:r>
+            <a:r>
+              <a:rPr lang="en"/>
+              <a:t> created goal will be put into a list and go to the top.</a:t>
+            </a:r>
+            <a:endParaRPr/>
+          </a:p>
+          <a:p>
+            <a:pPr indent="-317500" lvl="1" marL="914400" rtl="0" algn="l">
+              <a:spcBef>
+                <a:spcPts val="0"/>
+              </a:spcBef>
+              <a:spcAft>
+                <a:spcPts val="0"/>
+              </a:spcAft>
+              <a:buSzPts val="1400"/>
+              <a:buChar char="○"/>
+            </a:pPr>
+            <a:r>
+              <a:rPr lang="en"/>
+              <a:t>The user can update the list as goals are completed.</a:t>
+            </a:r>
+            <a:endParaRPr/>
+          </a:p>
+          <a:p>
+            <a:pPr indent="-317500" lvl="1" marL="914400" rtl="0" algn="l">
+              <a:spcBef>
+                <a:spcPts val="0"/>
+              </a:spcBef>
+              <a:spcAft>
+                <a:spcPts val="0"/>
+              </a:spcAft>
+              <a:buSzPts val="1400"/>
+              <a:buChar char="○"/>
+            </a:pPr>
+            <a:r>
+              <a:rPr lang="en"/>
+              <a:t>A created goal can be removed from the list.</a:t>
+            </a:r>
+            <a:endParaRPr/>
+          </a:p>
+          <a:p>
+            <a:pPr indent="-317500" lvl="1" marL="914400" rtl="0" algn="l">
+              <a:spcBef>
+                <a:spcPts val="0"/>
+              </a:spcBef>
+              <a:spcAft>
+                <a:spcPts val="0"/>
+              </a:spcAft>
+              <a:buSzPts val="1400"/>
+              <a:buChar char="○"/>
+            </a:pPr>
+            <a:r>
+              <a:rPr lang="en"/>
+              <a:t>The submodule can accept new goals from other subsystems</a:t>
+            </a:r>
+            <a:endParaRPr/>
+          </a:p>
+          <a:p>
+            <a:pPr indent="-342900" lvl="0" marL="457200" rtl="0" algn="l">
+              <a:spcBef>
+                <a:spcPts val="0"/>
+              </a:spcBef>
+              <a:spcAft>
+                <a:spcPts val="0"/>
+              </a:spcAft>
+              <a:buSzPts val="1800"/>
+              <a:buChar char="●"/>
+            </a:pPr>
+            <a:r>
+              <a:rPr lang="en"/>
+              <a:t>Technologies</a:t>
+            </a:r>
+            <a:endParaRPr/>
+          </a:p>
+          <a:p>
+            <a:pPr indent="-317500" lvl="1" marL="914400" rtl="0" algn="l">
+              <a:spcBef>
+                <a:spcPts val="0"/>
+              </a:spcBef>
+              <a:spcAft>
+                <a:spcPts val="0"/>
+              </a:spcAft>
+              <a:buSzPts val="1400"/>
+              <a:buChar char="○"/>
+            </a:pPr>
+            <a:r>
+              <a:rPr lang="en"/>
+              <a:t>HTML</a:t>
+            </a:r>
+            <a:endParaRPr/>
+          </a:p>
+          <a:p>
+            <a:pPr indent="-317500" lvl="1" marL="914400" rtl="0" algn="l">
+              <a:spcBef>
+                <a:spcPts val="0"/>
+              </a:spcBef>
+              <a:spcAft>
+                <a:spcPts val="0"/>
+              </a:spcAft>
+              <a:buSzPts val="1400"/>
+              <a:buChar char="○"/>
+            </a:pPr>
+            <a:r>
+              <a:rPr lang="en"/>
+              <a:t>Javascript</a:t>
+            </a:r>
+            <a:endParaRPr/>
+          </a:p>
+          <a:p>
+            <a:pPr indent="-317500" lvl="1" marL="914400" rtl="0" algn="l">
+              <a:spcBef>
+                <a:spcPts val="0"/>
+              </a:spcBef>
+              <a:spcAft>
+                <a:spcPts val="0"/>
+              </a:spcAft>
+              <a:buSzPts val="1400"/>
+              <a:buChar char="○"/>
+            </a:pPr>
+            <a:r>
+              <a:rPr lang="en"/>
+              <a:t>CSS</a:t>
+            </a:r>
+            <a:endParaRPr/>
+          </a:p>
+          <a:p>
+            <a:pPr indent="-317500" lvl="1" marL="914400" rtl="0" algn="l">
+              <a:spcBef>
+                <a:spcPts val="0"/>
+              </a:spcBef>
+              <a:spcAft>
+                <a:spcPts val="0"/>
+              </a:spcAft>
+              <a:buSzPts val="1400"/>
+              <a:buChar char="○"/>
+            </a:pPr>
+            <a:r>
+              <a:rPr lang="en"/>
+              <a:t>Meteor</a:t>
+            </a:r>
+            <a:endParaRPr/>
+          </a:p>
+        </p:txBody>
+      </p:sp>
+    </p:spTree>
+  </p:cSld>
+  <p:clrMapOvr>
+    <a:masterClrMapping/>
+  </p:clrMapOvr>
+</p:sld>
+</file>
+
+<file path=ppt/slides/slide6.xml><?xml version="1.0" encoding="utf-8"?>
+<p:sld xmlns:a="http://schemas.openxmlformats.org/drawingml/2006/main" xmlns:r="http://schemas.openxmlformats.org/officeDocument/2006/relationships" xmlns:mc="http://schemas.openxmlformats.org/markup-compatibility/2006" xmlns:mv="urn:schemas-microsoft-com:mac:vml" xmlns:p="http://schemas.openxmlformats.org/presentationml/2006/main" xmlns:c="http://schemas.openxmlformats.org/drawingml/2006/chart" xmlns:dgm="http://schemas.openxmlformats.org/drawingml/2006/diagram" xmlns:o="urn:schemas-microsoft-com:office:office" xmlns:v="urn:schemas-microsoft-com:vml" xmlns:pvml="urn:schemas-microsoft-com:office:powerpoint" xmlns:com="http://schemas.openxmlformats.org/drawingml/2006/compatibility" xmlns:p14="http://schemas.microsoft.com/office/powerpoint/2010/main" xmlns:p15="http://schemas.microsoft.com/office/powerpoint/2012/main">
+  <p:cSld>
+    <p:spTree>
+      <p:nvGrpSpPr>
+        <p:cNvPr id="89" name="Shape 89"/>
+        <p:cNvGrpSpPr/>
+        <p:nvPr/>
+      </p:nvGrpSpPr>
+      <p:grpSpPr>
+        <a:xfrm>
+          <a:off x="0" y="0"/>
+          <a:ext cx="0" cy="0"/>
+          <a:chOff x="0" y="0"/>
+          <a:chExt cx="0" cy="0"/>
+        </a:xfrm>
+      </p:grpSpPr>
+      <p:sp>
+        <p:nvSpPr>
+          <p:cNvPr id="90" name="Google Shape;90;p18"/>
+          <p:cNvSpPr txBox="1"/>
+          <p:nvPr>
+            <p:ph type="title"/>
+          </p:nvPr>
+        </p:nvSpPr>
+        <p:spPr>
+          <a:xfrm>
+            <a:off x="311700" y="445025"/>
+            <a:ext cx="8520600" cy="613200"/>
+          </a:xfrm>
+          <a:prstGeom prst="rect">
+            <a:avLst/>
+          </a:prstGeom>
+        </p:spPr>
+        <p:txBody>
+          <a:bodyPr anchorCtr="0" anchor="t" bIns="91425" lIns="91425" spcFirstLastPara="1" rIns="91425" wrap="square" tIns="91425">
+            <a:noAutofit/>
+          </a:bodyPr>
+          <a:lstStyle/>
+          <a:p>
+            <a:pPr indent="0" lvl="0" marL="0" rtl="0" algn="l">
+              <a:spcBef>
+                <a:spcPts val="0"/>
+              </a:spcBef>
+              <a:spcAft>
+                <a:spcPts val="0"/>
+              </a:spcAft>
+              <a:buNone/>
+            </a:pPr>
+            <a:r>
+              <a:rPr lang="en"/>
+              <a:t>Education</a:t>
+            </a:r>
+            <a:endParaRPr/>
+          </a:p>
+        </p:txBody>
+      </p:sp>
+      <p:sp>
+        <p:nvSpPr>
+          <p:cNvPr id="91" name="Google Shape;91;p18"/>
+          <p:cNvSpPr txBox="1"/>
+          <p:nvPr>
+            <p:ph idx="1" type="body"/>
+          </p:nvPr>
+        </p:nvSpPr>
+        <p:spPr>
+          <a:xfrm>
+            <a:off x="311700" y="1171600"/>
+            <a:ext cx="8520600" cy="3397200"/>
+          </a:xfrm>
+          <a:prstGeom prst="rect">
+            <a:avLst/>
+          </a:prstGeom>
+        </p:spPr>
+        <p:txBody>
+          <a:bodyPr anchorCtr="0" anchor="t" bIns="91425" lIns="91425" spcFirstLastPara="1" rIns="91425" wrap="square" tIns="91425">
+            <a:noAutofit/>
+          </a:bodyPr>
+          <a:lstStyle/>
+          <a:p>
+            <a:pPr indent="0" lvl="0" marL="0" rtl="0" algn="l">
+              <a:spcBef>
+                <a:spcPts val="0"/>
+              </a:spcBef>
+              <a:spcAft>
+                <a:spcPts val="0"/>
+              </a:spcAft>
+              <a:buClr>
+                <a:schemeClr val="dk1"/>
+              </a:buClr>
+              <a:buSzPts val="1100"/>
+              <a:buFont typeface="Arial"/>
+              <a:buNone/>
+            </a:pPr>
+            <a:r>
+              <a:rPr lang="en" sz="750">
+                <a:solidFill>
+                  <a:srgbClr val="F2F2F2"/>
+                </a:solidFill>
+                <a:latin typeface="Arial"/>
+                <a:ea typeface="Arial"/>
+                <a:cs typeface="Arial"/>
+                <a:sym typeface="Arial"/>
+              </a:rPr>
+              <a:t> http://localhost:3000/</a:t>
+            </a:r>
+            <a:endParaRPr sz="750">
+              <a:solidFill>
+                <a:srgbClr val="F2F2F2"/>
+              </a:solidFill>
+              <a:latin typeface="Arial"/>
+              <a:ea typeface="Arial"/>
+              <a:cs typeface="Arial"/>
+              <a:sym typeface="Arial"/>
+            </a:endParaRPr>
+          </a:p>
+          <a:p>
+            <a:pPr indent="0" lvl="0" marL="0" rtl="0" algn="l">
+              <a:spcBef>
+                <a:spcPts val="0"/>
+              </a:spcBef>
+              <a:spcAft>
+                <a:spcPts val="0"/>
+              </a:spcAft>
+              <a:buClr>
+                <a:schemeClr val="dk1"/>
+              </a:buClr>
+              <a:buSzPts val="1100"/>
+              <a:buFont typeface="Arial"/>
+              <a:buNone/>
+            </a:pPr>
+            <a:r>
+              <a:rPr lang="en" sz="750">
+                <a:solidFill>
+                  <a:srgbClr val="F2F2F2"/>
+                </a:solidFill>
+                <a:latin typeface="Arial"/>
+                <a:ea typeface="Arial"/>
+                <a:cs typeface="Arial"/>
+                <a:sym typeface="Arial"/>
+              </a:rPr>
+              <a:t> http://localhost:3000/</a:t>
+            </a:r>
+            <a:endParaRPr sz="750">
+              <a:solidFill>
+                <a:srgbClr val="F2F2F2"/>
+              </a:solidFill>
+              <a:latin typeface="Arial"/>
+              <a:ea typeface="Arial"/>
+              <a:cs typeface="Arial"/>
+              <a:sym typeface="Arial"/>
+            </a:endParaRPr>
+          </a:p>
+          <a:p>
+            <a:pPr indent="-342900" lvl="0" marL="457200" rtl="0" algn="l">
+              <a:spcBef>
+                <a:spcPts val="0"/>
+              </a:spcBef>
+              <a:spcAft>
+                <a:spcPts val="0"/>
+              </a:spcAft>
+              <a:buSzPts val="1800"/>
+              <a:buChar char="●"/>
+            </a:pPr>
+            <a:r>
+              <a:rPr lang="en"/>
+              <a:t>Goals</a:t>
+            </a:r>
+            <a:endParaRPr/>
+          </a:p>
+          <a:p>
+            <a:pPr indent="-317500" lvl="1" marL="914400" rtl="0" algn="l">
+              <a:spcBef>
+                <a:spcPts val="0"/>
+              </a:spcBef>
+              <a:spcAft>
+                <a:spcPts val="0"/>
+              </a:spcAft>
+              <a:buSzPts val="1400"/>
+              <a:buChar char="○"/>
+            </a:pPr>
+            <a:r>
+              <a:rPr lang="en"/>
+              <a:t>Provide education and resources to assist and support health care professionals.</a:t>
+            </a:r>
+            <a:endParaRPr/>
+          </a:p>
+          <a:p>
+            <a:pPr indent="-317500" lvl="1" marL="914400" rtl="0" algn="l">
+              <a:spcBef>
+                <a:spcPts val="0"/>
+              </a:spcBef>
+              <a:spcAft>
+                <a:spcPts val="0"/>
+              </a:spcAft>
+              <a:buSzPts val="1400"/>
+              <a:buChar char="○"/>
+            </a:pPr>
+            <a:r>
+              <a:rPr lang="en"/>
+              <a:t>Educate community members about health career choices and recruit future professionals.</a:t>
+            </a:r>
+            <a:endParaRPr/>
+          </a:p>
+          <a:p>
+            <a:pPr indent="-342900" lvl="0" marL="457200" rtl="0" algn="l">
+              <a:spcBef>
+                <a:spcPts val="0"/>
+              </a:spcBef>
+              <a:spcAft>
+                <a:spcPts val="0"/>
+              </a:spcAft>
+              <a:buSzPts val="1800"/>
+              <a:buChar char="●"/>
+            </a:pPr>
+            <a:r>
+              <a:rPr lang="en"/>
+              <a:t>Technologies</a:t>
+            </a:r>
+            <a:endParaRPr/>
+          </a:p>
+          <a:p>
+            <a:pPr indent="-317500" lvl="1" marL="914400" rtl="0" algn="l">
+              <a:spcBef>
+                <a:spcPts val="0"/>
+              </a:spcBef>
+              <a:spcAft>
+                <a:spcPts val="0"/>
+              </a:spcAft>
+              <a:buSzPts val="1400"/>
+              <a:buChar char="○"/>
+            </a:pPr>
+            <a:r>
+              <a:rPr lang="en"/>
+              <a:t>HTML</a:t>
+            </a:r>
+            <a:endParaRPr/>
+          </a:p>
+          <a:p>
+            <a:pPr indent="-317500" lvl="1" marL="914400" rtl="0" algn="l">
+              <a:spcBef>
+                <a:spcPts val="0"/>
+              </a:spcBef>
+              <a:spcAft>
+                <a:spcPts val="0"/>
+              </a:spcAft>
+              <a:buSzPts val="1400"/>
+              <a:buChar char="○"/>
+            </a:pPr>
+            <a:r>
+              <a:rPr lang="en"/>
+              <a:t>Javascript</a:t>
+            </a:r>
+            <a:endParaRPr/>
+          </a:p>
+          <a:p>
+            <a:pPr indent="-317500" lvl="1" marL="914400" rtl="0" algn="l">
+              <a:spcBef>
+                <a:spcPts val="0"/>
+              </a:spcBef>
+              <a:spcAft>
+                <a:spcPts val="0"/>
+              </a:spcAft>
+              <a:buSzPts val="1400"/>
+              <a:buChar char="○"/>
+            </a:pPr>
+            <a:r>
+              <a:rPr lang="en"/>
+              <a:t>CSS</a:t>
+            </a:r>
+            <a:endParaRPr/>
+          </a:p>
+          <a:p>
+            <a:pPr indent="0" lvl="0" marL="0" rtl="0" algn="l">
+              <a:spcBef>
+                <a:spcPts val="1600"/>
+              </a:spcBef>
+              <a:spcAft>
+                <a:spcPts val="1600"/>
+              </a:spcAft>
+              <a:buNone/>
+            </a:pPr>
+            <a:r>
+              <a:t/>
+            </a:r>
+            <a:endParaRPr/>
+          </a:p>
+        </p:txBody>
+      </p:sp>
+    </p:spTree>
+  </p:cSld>
+  <p:clrMapOvr>
+    <a:masterClrMapping/>
+  </p:clrMapOvr>
+</p:sld>
+</file>
+
+<file path=ppt/slides/slide7.xml><?xml version="1.0" encoding="utf-8"?>
+<p:sld xmlns:a="http://schemas.openxmlformats.org/drawingml/2006/main" xmlns:r="http://schemas.openxmlformats.org/officeDocument/2006/relationships" xmlns:mc="http://schemas.openxmlformats.org/markup-compatibility/2006" xmlns:mv="urn:schemas-microsoft-com:mac:vml" xmlns:p="http://schemas.openxmlformats.org/presentationml/2006/main" xmlns:c="http://schemas.openxmlformats.org/drawingml/2006/chart" xmlns:dgm="http://schemas.openxmlformats.org/drawingml/2006/diagram" xmlns:o="urn:schemas-microsoft-com:office:office" xmlns:v="urn:schemas-microsoft-com:vml" xmlns:pvml="urn:schemas-microsoft-com:office:powerpoint" xmlns:com="http://schemas.openxmlformats.org/drawingml/2006/compatibility" xmlns:p14="http://schemas.microsoft.com/office/powerpoint/2010/main" xmlns:p15="http://schemas.microsoft.com/office/powerpoint/2012/main">
+  <p:cSld>
+    <p:spTree>
+      <p:nvGrpSpPr>
+        <p:cNvPr id="95" name="Shape 95"/>
+        <p:cNvGrpSpPr/>
+        <p:nvPr/>
+      </p:nvGrpSpPr>
+      <p:grpSpPr>
+        <a:xfrm>
+          <a:off x="0" y="0"/>
+          <a:ext cx="0" cy="0"/>
+          <a:chOff x="0" y="0"/>
+          <a:chExt cx="0" cy="0"/>
+        </a:xfrm>
+      </p:grpSpPr>
+      <p:sp>
+        <p:nvSpPr>
+          <p:cNvPr id="96" name="Google Shape;96;p19"/>
+          <p:cNvSpPr txBox="1"/>
+          <p:nvPr>
+            <p:ph type="title"/>
+          </p:nvPr>
+        </p:nvSpPr>
+        <p:spPr>
+          <a:xfrm>
+            <a:off x="311700" y="445025"/>
+            <a:ext cx="8520600" cy="613200"/>
+          </a:xfrm>
+          <a:prstGeom prst="rect">
+            <a:avLst/>
+          </a:prstGeom>
+        </p:spPr>
+        <p:txBody>
+          <a:bodyPr anchorCtr="0" anchor="t" bIns="91425" lIns="91425" spcFirstLastPara="1" rIns="91425" wrap="square" tIns="91425">
+            <a:noAutofit/>
+          </a:bodyPr>
+          <a:lstStyle/>
+          <a:p>
+            <a:pPr indent="0" lvl="0" marL="0" rtl="0" algn="l">
+              <a:spcBef>
+                <a:spcPts val="0"/>
+              </a:spcBef>
+              <a:spcAft>
+                <a:spcPts val="0"/>
+              </a:spcAft>
+              <a:buNone/>
+            </a:pPr>
+            <a:r>
+              <a:rPr lang="en"/>
+              <a:t>Final Presentation</a:t>
+            </a:r>
+            <a:endParaRPr/>
+          </a:p>
+        </p:txBody>
+      </p:sp>
+      <p:sp>
+        <p:nvSpPr>
+          <p:cNvPr id="97" name="Google Shape;97;p19"/>
           <p:cNvSpPr txBox="1"/>
           <p:nvPr>
             <p:ph idx="1" type="body"/>
@@ -7713,121 +8634,63 @@
             </a:pPr>
             <a:r>
               <a:rPr lang="en"/>
-              <a:t>Finish documentation on Hot Dial and Calendar</a:t>
+              <a:t>Final Testing for </a:t>
+            </a:r>
+            <a:r>
+              <a:rPr lang="en"/>
+              <a:t>Android/iOS</a:t>
+            </a:r>
+            <a:endParaRPr/>
+          </a:p>
+          <a:p>
+            <a:pPr indent="-342900" lvl="0" marL="457200" marR="0" rtl="0" algn="l">
+              <a:lnSpc>
+                <a:spcPct val="115000"/>
+              </a:lnSpc>
+              <a:spcBef>
+                <a:spcPts val="0"/>
+              </a:spcBef>
+              <a:spcAft>
+                <a:spcPts val="0"/>
+              </a:spcAft>
+              <a:buClr>
+                <a:schemeClr val="dk1"/>
+              </a:buClr>
+              <a:buSzPts val="1800"/>
+              <a:buFont typeface="Old Standard TT"/>
+              <a:buChar char="●"/>
+            </a:pPr>
+            <a:r>
+              <a:rPr lang="en"/>
+              <a:t>Finish </a:t>
+            </a:r>
+            <a:r>
+              <a:rPr lang="en"/>
+              <a:t>documentation.</a:t>
             </a:r>
             <a:endParaRPr sz="1800"/>
           </a:p>
           <a:p>
-            <a:pPr indent="-342900" lvl="0" marL="457200" rtl="0" algn="l">
-              <a:spcBef>
-                <a:spcPts val="0"/>
-              </a:spcBef>
-              <a:spcAft>
-                <a:spcPts val="0"/>
-              </a:spcAft>
+            <a:pPr indent="-342900" lvl="0" marL="457200" marR="0" rtl="0" algn="l">
+              <a:lnSpc>
+                <a:spcPct val="115000"/>
+              </a:lnSpc>
+              <a:spcBef>
+                <a:spcPts val="0"/>
+              </a:spcBef>
+              <a:spcAft>
+                <a:spcPts val="0"/>
+              </a:spcAft>
+              <a:buClr>
+                <a:schemeClr val="dk1"/>
+              </a:buClr>
               <a:buSzPts val="1800"/>
+              <a:buFont typeface="Old Standard TT"/>
               <a:buChar char="●"/>
             </a:pPr>
             <a:r>
               <a:rPr lang="en"/>
-              <a:t>Education/Information section</a:t>
-            </a:r>
-            <a:endParaRPr/>
-          </a:p>
-          <a:p>
-            <a:pPr indent="-342900" lvl="0" marL="457200" rtl="0" algn="l">
-              <a:spcBef>
-                <a:spcPts val="0"/>
-              </a:spcBef>
-              <a:spcAft>
-                <a:spcPts val="0"/>
-              </a:spcAft>
-              <a:buSzPts val="1800"/>
-              <a:buChar char="●"/>
-            </a:pPr>
-            <a:r>
-              <a:rPr lang="en"/>
-              <a:t>Adding a </a:t>
-            </a:r>
-            <a:r>
-              <a:rPr lang="en"/>
-              <a:t>predetermined</a:t>
-            </a:r>
-            <a:r>
-              <a:rPr lang="en"/>
-              <a:t> list for the 5 Steps to Harm Reduction to Goal Tracker</a:t>
-            </a:r>
-            <a:r>
-              <a:rPr lang="en"/>
-              <a:t>.</a:t>
-            </a:r>
-            <a:endParaRPr/>
-          </a:p>
-          <a:p>
-            <a:pPr indent="-342900" lvl="0" marL="457200" rtl="0" algn="l">
-              <a:spcBef>
-                <a:spcPts val="0"/>
-              </a:spcBef>
-              <a:spcAft>
-                <a:spcPts val="0"/>
-              </a:spcAft>
-              <a:buSzPts val="1800"/>
-              <a:buChar char="●"/>
-            </a:pPr>
-            <a:r>
-              <a:rPr lang="en"/>
-              <a:t>Repair button for Goal Tracker.</a:t>
-            </a:r>
-            <a:endParaRPr/>
-          </a:p>
-          <a:p>
-            <a:pPr indent="-342900" lvl="0" marL="457200" rtl="0" algn="l">
-              <a:spcBef>
-                <a:spcPts val="0"/>
-              </a:spcBef>
-              <a:spcAft>
-                <a:spcPts val="0"/>
-              </a:spcAft>
-              <a:buSzPts val="1800"/>
-              <a:buChar char="●"/>
-            </a:pPr>
-            <a:r>
-              <a:rPr lang="en"/>
-              <a:t>Final Touches on Map Implementation</a:t>
-            </a:r>
-            <a:endParaRPr/>
-          </a:p>
-          <a:p>
-            <a:pPr indent="-317500" lvl="1" marL="914400" rtl="0" algn="l">
-              <a:spcBef>
-                <a:spcPts val="0"/>
-              </a:spcBef>
-              <a:spcAft>
-                <a:spcPts val="0"/>
-              </a:spcAft>
-              <a:buSzPts val="1400"/>
-              <a:buChar char="○"/>
-            </a:pPr>
-            <a:r>
-              <a:rPr lang="en"/>
-              <a:t>Drawing Location info from SQLite</a:t>
-            </a:r>
-            <a:endParaRPr/>
-          </a:p>
-          <a:p>
-            <a:pPr indent="-317500" lvl="1" marL="914400" rtl="0" algn="l">
-              <a:spcBef>
-                <a:spcPts val="0"/>
-              </a:spcBef>
-              <a:spcAft>
-                <a:spcPts val="0"/>
-              </a:spcAft>
-              <a:buSzPts val="1400"/>
-              <a:buChar char="○"/>
-            </a:pPr>
-            <a:r>
-              <a:rPr lang="en"/>
-              <a:t>Map loading bug</a:t>
+              <a:t>Clear up bugs.</a:t>
             </a:r>
             <a:endParaRPr/>
           </a:p>
@@ -7841,12 +8704,12 @@
 </p:sld>
 </file>
 
-<file path=ppt/slides/slide6.xml><?xml version="1.0" encoding="utf-8"?>
+<file path=ppt/slides/slide8.xml><?xml version="1.0" encoding="utf-8"?>
 <p:sld xmlns:a="http://schemas.openxmlformats.org/drawingml/2006/main" xmlns:r="http://schemas.openxmlformats.org/officeDocument/2006/relationships" xmlns:mc="http://schemas.openxmlformats.org/markup-compatibility/2006" xmlns:mv="urn:schemas-microsoft-com:mac:vml" xmlns:p="http://schemas.openxmlformats.org/presentationml/2006/main" xmlns:c="http://schemas.openxmlformats.org/drawingml/2006/chart" xmlns:dgm="http://schemas.openxmlformats.org/drawingml/2006/diagram" xmlns:o="urn:schemas-microsoft-com:office:office" xmlns:v="urn:schemas-microsoft-com:vml" xmlns:pvml="urn:schemas-microsoft-com:office:powerpoint" xmlns:com="http://schemas.openxmlformats.org/drawingml/2006/compatibility" xmlns:p14="http://schemas.microsoft.com/office/powerpoint/2010/main" xmlns:p15="http://schemas.microsoft.com/office/powerpoint/2012/main">
   <p:cSld>
     <p:spTree>
       <p:nvGrpSpPr>
-        <p:cNvPr id="91" name="Shape 91"/>
+        <p:cNvPr id="101" name="Shape 101"/>
         <p:cNvGrpSpPr/>
         <p:nvPr/>
       </p:nvGrpSpPr>
@@ -7860,7 +8723,7 @@
       </p:grpSpPr>
       <p:sp>
         <p:nvSpPr>
-          <p:cNvPr id="92" name="Google Shape;92;p18"/>
+          <p:cNvPr id="102" name="Google Shape;102;p20"/>
           <p:cNvSpPr txBox="1"/>
           <p:nvPr>
             <p:ph type="title"/>
@@ -7900,7 +8763,7 @@
       </p:sp>
       <p:pic>
         <p:nvPicPr>
-          <p:cNvPr id="93" name="Google Shape;93;p18"/>
+          <p:cNvPr id="103" name="Google Shape;103;p20"/>
           <p:cNvPicPr preferRelativeResize="0"/>
           <p:nvPr/>
         </p:nvPicPr>
@@ -7915,7 +8778,7 @@
         <p:spPr>
           <a:xfrm>
             <a:off x="152400" y="1210625"/>
-            <a:ext cx="8839199" cy="3527380"/>
+            <a:ext cx="8839200" cy="3540655"/>
           </a:xfrm>
           <a:prstGeom prst="rect">
             <a:avLst/>
@@ -7934,12 +8797,12 @@
 </p:sld>
 </file>
 
-<file path=ppt/slides/slide7.xml><?xml version="1.0" encoding="utf-8"?>
+<file path=ppt/slides/slide9.xml><?xml version="1.0" encoding="utf-8"?>
 <p:sld xmlns:a="http://schemas.openxmlformats.org/drawingml/2006/main" xmlns:r="http://schemas.openxmlformats.org/officeDocument/2006/relationships" xmlns:mc="http://schemas.openxmlformats.org/markup-compatibility/2006" xmlns:mv="urn:schemas-microsoft-com:mac:vml" xmlns:p="http://schemas.openxmlformats.org/presentationml/2006/main" xmlns:c="http://schemas.openxmlformats.org/drawingml/2006/chart" xmlns:dgm="http://schemas.openxmlformats.org/drawingml/2006/diagram" xmlns:o="urn:schemas-microsoft-com:office:office" xmlns:v="urn:schemas-microsoft-com:vml" xmlns:pvml="urn:schemas-microsoft-com:office:powerpoint" xmlns:com="http://schemas.openxmlformats.org/drawingml/2006/compatibility" xmlns:p14="http://schemas.microsoft.com/office/powerpoint/2010/main" xmlns:p15="http://schemas.microsoft.com/office/powerpoint/2012/main">
   <p:cSld>
     <p:spTree>
       <p:nvGrpSpPr>
-        <p:cNvPr id="97" name="Shape 97"/>
+        <p:cNvPr id="107" name="Shape 107"/>
         <p:cNvGrpSpPr/>
         <p:nvPr/>
       </p:nvGrpSpPr>
@@ -7953,7 +8816,7 @@
       </p:grpSpPr>
       <p:sp>
         <p:nvSpPr>
-          <p:cNvPr id="98" name="Google Shape;98;p19"/>
+          <p:cNvPr id="108" name="Google Shape;108;p21"/>
           <p:cNvSpPr txBox="1"/>
           <p:nvPr>
             <p:ph type="title"/>
@@ -7993,7 +8856,7 @@
       </p:sp>
       <p:pic>
         <p:nvPicPr>
-          <p:cNvPr id="99" name="Google Shape;99;p19"/>
+          <p:cNvPr id="109" name="Google Shape;109;p21"/>
           <p:cNvPicPr preferRelativeResize="0"/>
           <p:nvPr/>
         </p:nvPicPr>
